--- a/chapter_04/figures/roc_examples.pptx
+++ b/chapter_04/figures/roc_examples.pptx
@@ -125,12 +125,12 @@
   <pc:docChgLst>
     <pc:chgData name="Fatima Pillosu" userId="a6295d4dc9e22643" providerId="LiveId" clId="{3A410EC4-EC4F-48D0-B56B-3A781616BE78}"/>
     <pc:docChg chg="undo custSel modSld">
-      <pc:chgData name="Fatima Pillosu" userId="a6295d4dc9e22643" providerId="LiveId" clId="{3A410EC4-EC4F-48D0-B56B-3A781616BE78}" dt="2025-05-21T20:55:51.789" v="4384" actId="20577"/>
+      <pc:chgData name="Fatima Pillosu" userId="a6295d4dc9e22643" providerId="LiveId" clId="{3A410EC4-EC4F-48D0-B56B-3A781616BE78}" dt="2025-05-30T05:34:36.586" v="4392" actId="1035"/>
       <pc:docMkLst>
         <pc:docMk/>
       </pc:docMkLst>
       <pc:sldChg chg="addSp delSp modSp mod">
-        <pc:chgData name="Fatima Pillosu" userId="a6295d4dc9e22643" providerId="LiveId" clId="{3A410EC4-EC4F-48D0-B56B-3A781616BE78}" dt="2025-05-21T20:55:51.789" v="4384" actId="20577"/>
+        <pc:chgData name="Fatima Pillosu" userId="a6295d4dc9e22643" providerId="LiveId" clId="{3A410EC4-EC4F-48D0-B56B-3A781616BE78}" dt="2025-05-30T05:34:36.586" v="4392" actId="1035"/>
         <pc:sldMkLst>
           <pc:docMk/>
           <pc:sldMk cId="1573992039" sldId="256"/>
@@ -280,7 +280,7 @@
           </ac:spMkLst>
         </pc:spChg>
         <pc:spChg chg="add mod">
-          <ac:chgData name="Fatima Pillosu" userId="a6295d4dc9e22643" providerId="LiveId" clId="{3A410EC4-EC4F-48D0-B56B-3A781616BE78}" dt="2025-05-21T20:43:50.154" v="4024" actId="2711"/>
+          <ac:chgData name="Fatima Pillosu" userId="a6295d4dc9e22643" providerId="LiveId" clId="{3A410EC4-EC4F-48D0-B56B-3A781616BE78}" dt="2025-05-30T05:34:36.586" v="4392" actId="1035"/>
           <ac:spMkLst>
             <pc:docMk/>
             <pc:sldMk cId="1573992039" sldId="256"/>
@@ -416,7 +416,7 @@
           </ac:spMkLst>
         </pc:spChg>
         <pc:spChg chg="add mod">
-          <ac:chgData name="Fatima Pillosu" userId="a6295d4dc9e22643" providerId="LiveId" clId="{3A410EC4-EC4F-48D0-B56B-3A781616BE78}" dt="2025-05-21T20:43:50.154" v="4024" actId="2711"/>
+          <ac:chgData name="Fatima Pillosu" userId="a6295d4dc9e22643" providerId="LiveId" clId="{3A410EC4-EC4F-48D0-B56B-3A781616BE78}" dt="2025-05-30T05:34:32.011" v="4387" actId="14100"/>
           <ac:spMkLst>
             <pc:docMk/>
             <pc:sldMk cId="1573992039" sldId="256"/>
@@ -440,7 +440,7 @@
           </ac:spMkLst>
         </pc:spChg>
         <pc:spChg chg="add mod">
-          <ac:chgData name="Fatima Pillosu" userId="a6295d4dc9e22643" providerId="LiveId" clId="{3A410EC4-EC4F-48D0-B56B-3A781616BE78}" dt="2025-05-21T20:43:50.154" v="4024" actId="2711"/>
+          <ac:chgData name="Fatima Pillosu" userId="a6295d4dc9e22643" providerId="LiveId" clId="{3A410EC4-EC4F-48D0-B56B-3A781616BE78}" dt="2025-05-30T05:34:36.586" v="4392" actId="1035"/>
           <ac:spMkLst>
             <pc:docMk/>
             <pc:sldMk cId="1573992039" sldId="256"/>
@@ -448,7 +448,7 @@
           </ac:spMkLst>
         </pc:spChg>
         <pc:spChg chg="add mod">
-          <ac:chgData name="Fatima Pillosu" userId="a6295d4dc9e22643" providerId="LiveId" clId="{3A410EC4-EC4F-48D0-B56B-3A781616BE78}" dt="2025-05-21T20:43:50.154" v="4024" actId="2711"/>
+          <ac:chgData name="Fatima Pillosu" userId="a6295d4dc9e22643" providerId="LiveId" clId="{3A410EC4-EC4F-48D0-B56B-3A781616BE78}" dt="2025-05-30T05:34:36.586" v="4392" actId="1035"/>
           <ac:spMkLst>
             <pc:docMk/>
             <pc:sldMk cId="1573992039" sldId="256"/>
@@ -1672,7 +1672,7 @@
           </ac:cxnSpMkLst>
         </pc:cxnChg>
         <pc:cxnChg chg="add mod ord">
-          <ac:chgData name="Fatima Pillosu" userId="a6295d4dc9e22643" providerId="LiveId" clId="{3A410EC4-EC4F-48D0-B56B-3A781616BE78}" dt="2025-05-21T20:51:55.883" v="4214" actId="1035"/>
+          <ac:chgData name="Fatima Pillosu" userId="a6295d4dc9e22643" providerId="LiveId" clId="{3A410EC4-EC4F-48D0-B56B-3A781616BE78}" dt="2025-05-21T21:02:02.016" v="4386" actId="1076"/>
           <ac:cxnSpMkLst>
             <pc:docMk/>
             <pc:sldMk cId="1573992039" sldId="256"/>
@@ -2192,7 +2192,7 @@
           <a:p>
             <a:fld id="{1B0A7230-9229-4B4E-8CC9-329D15B7627B}" type="datetimeFigureOut">
               <a:rPr lang="en-GB" smtClean="0"/>
-              <a:t>21/05/2025</a:t>
+              <a:t>30/05/2025</a:t>
             </a:fld>
             <a:endParaRPr lang="en-GB"/>
           </a:p>
@@ -2362,7 +2362,7 @@
           <a:p>
             <a:fld id="{1B0A7230-9229-4B4E-8CC9-329D15B7627B}" type="datetimeFigureOut">
               <a:rPr lang="en-GB" smtClean="0"/>
-              <a:t>21/05/2025</a:t>
+              <a:t>30/05/2025</a:t>
             </a:fld>
             <a:endParaRPr lang="en-GB"/>
           </a:p>
@@ -2542,7 +2542,7 @@
           <a:p>
             <a:fld id="{1B0A7230-9229-4B4E-8CC9-329D15B7627B}" type="datetimeFigureOut">
               <a:rPr lang="en-GB" smtClean="0"/>
-              <a:t>21/05/2025</a:t>
+              <a:t>30/05/2025</a:t>
             </a:fld>
             <a:endParaRPr lang="en-GB"/>
           </a:p>
@@ -2712,7 +2712,7 @@
           <a:p>
             <a:fld id="{1B0A7230-9229-4B4E-8CC9-329D15B7627B}" type="datetimeFigureOut">
               <a:rPr lang="en-GB" smtClean="0"/>
-              <a:t>21/05/2025</a:t>
+              <a:t>30/05/2025</a:t>
             </a:fld>
             <a:endParaRPr lang="en-GB"/>
           </a:p>
@@ -2958,7 +2958,7 @@
           <a:p>
             <a:fld id="{1B0A7230-9229-4B4E-8CC9-329D15B7627B}" type="datetimeFigureOut">
               <a:rPr lang="en-GB" smtClean="0"/>
-              <a:t>21/05/2025</a:t>
+              <a:t>30/05/2025</a:t>
             </a:fld>
             <a:endParaRPr lang="en-GB"/>
           </a:p>
@@ -3190,7 +3190,7 @@
           <a:p>
             <a:fld id="{1B0A7230-9229-4B4E-8CC9-329D15B7627B}" type="datetimeFigureOut">
               <a:rPr lang="en-GB" smtClean="0"/>
-              <a:t>21/05/2025</a:t>
+              <a:t>30/05/2025</a:t>
             </a:fld>
             <a:endParaRPr lang="en-GB"/>
           </a:p>
@@ -3557,7 +3557,7 @@
           <a:p>
             <a:fld id="{1B0A7230-9229-4B4E-8CC9-329D15B7627B}" type="datetimeFigureOut">
               <a:rPr lang="en-GB" smtClean="0"/>
-              <a:t>21/05/2025</a:t>
+              <a:t>30/05/2025</a:t>
             </a:fld>
             <a:endParaRPr lang="en-GB"/>
           </a:p>
@@ -3675,7 +3675,7 @@
           <a:p>
             <a:fld id="{1B0A7230-9229-4B4E-8CC9-329D15B7627B}" type="datetimeFigureOut">
               <a:rPr lang="en-GB" smtClean="0"/>
-              <a:t>21/05/2025</a:t>
+              <a:t>30/05/2025</a:t>
             </a:fld>
             <a:endParaRPr lang="en-GB"/>
           </a:p>
@@ -3770,7 +3770,7 @@
           <a:p>
             <a:fld id="{1B0A7230-9229-4B4E-8CC9-329D15B7627B}" type="datetimeFigureOut">
               <a:rPr lang="en-GB" smtClean="0"/>
-              <a:t>21/05/2025</a:t>
+              <a:t>30/05/2025</a:t>
             </a:fld>
             <a:endParaRPr lang="en-GB"/>
           </a:p>
@@ -4047,7 +4047,7 @@
           <a:p>
             <a:fld id="{1B0A7230-9229-4B4E-8CC9-329D15B7627B}" type="datetimeFigureOut">
               <a:rPr lang="en-GB" smtClean="0"/>
-              <a:t>21/05/2025</a:t>
+              <a:t>30/05/2025</a:t>
             </a:fld>
             <a:endParaRPr lang="en-GB"/>
           </a:p>
@@ -4304,7 +4304,7 @@
           <a:p>
             <a:fld id="{1B0A7230-9229-4B4E-8CC9-329D15B7627B}" type="datetimeFigureOut">
               <a:rPr lang="en-GB" smtClean="0"/>
-              <a:t>21/05/2025</a:t>
+              <a:t>30/05/2025</a:t>
             </a:fld>
             <a:endParaRPr lang="en-GB"/>
           </a:p>
@@ -4517,7 +4517,7 @@
           <a:p>
             <a:fld id="{1B0A7230-9229-4B4E-8CC9-329D15B7627B}" type="datetimeFigureOut">
               <a:rPr lang="en-GB" smtClean="0"/>
-              <a:t>21/05/2025</a:t>
+              <a:t>30/05/2025</a:t>
             </a:fld>
             <a:endParaRPr lang="en-GB"/>
           </a:p>
@@ -6785,7 +6785,7 @@
         </p:nvSpPr>
         <p:spPr>
           <a:xfrm>
-            <a:off x="341302" y="5584879"/>
+            <a:off x="341302" y="5536754"/>
             <a:ext cx="1085470" cy="584775"/>
           </a:xfrm>
           <a:prstGeom prst="rect">
@@ -7347,7 +7347,7 @@
         <p:spPr>
           <a:xfrm>
             <a:off x="85535" y="5178959"/>
-            <a:ext cx="4027554" cy="1398409"/>
+            <a:ext cx="4027554" cy="1270533"/>
           </a:xfrm>
           <a:prstGeom prst="rightArrow">
             <a:avLst>
@@ -7406,7 +7406,7 @@
         </p:nvSpPr>
         <p:spPr>
           <a:xfrm>
-            <a:off x="1506089" y="5584879"/>
+            <a:off x="1506089" y="5536754"/>
             <a:ext cx="1070526" cy="584775"/>
           </a:xfrm>
           <a:prstGeom prst="rect">
@@ -7463,7 +7463,7 @@
         </p:nvSpPr>
         <p:spPr>
           <a:xfrm>
-            <a:off x="2659599" y="5584879"/>
+            <a:off x="2659599" y="5536754"/>
             <a:ext cx="1078453" cy="584775"/>
           </a:xfrm>
           <a:prstGeom prst="rect">
